--- a/slides/AWS EKS Kubeflow Quickstart.pptx
+++ b/slides/AWS EKS Kubeflow Quickstart.pptx
@@ -5,12 +5,16 @@
     <p:sldMasterId id="2147483648" r:id="rId1"/>
   </p:sldMasterIdLst>
   <p:notesMasterIdLst>
-    <p:notesMasterId r:id="rId5"/>
+    <p:notesMasterId r:id="rId9"/>
   </p:notesMasterIdLst>
   <p:sldIdLst>
     <p:sldId id="256" r:id="rId2"/>
-    <p:sldId id="258" r:id="rId3"/>
-    <p:sldId id="257" r:id="rId4"/>
+    <p:sldId id="260" r:id="rId3"/>
+    <p:sldId id="258" r:id="rId4"/>
+    <p:sldId id="264" r:id="rId5"/>
+    <p:sldId id="259" r:id="rId6"/>
+    <p:sldId id="262" r:id="rId7"/>
+    <p:sldId id="257" r:id="rId8"/>
   </p:sldIdLst>
   <p:sldSz cx="9144000" cy="6858000" type="screen4x3"/>
   <p:notesSz cx="6858000" cy="9144000"/>
@@ -194,7 +198,7 @@
           <a:p>
             <a:fld id="{42220474-7C62-44B7-B8E5-673F865CFD35}" type="datetimeFigureOut">
               <a:rPr lang="en-US" smtClean="0"/>
-              <a:t>11/30/2022</a:t>
+              <a:t>12/15/2022</a:t>
             </a:fld>
             <a:endParaRPr lang="en-US"/>
           </a:p>
@@ -643,7 +647,7 @@
           <a:p>
             <a:fld id="{4EB7D4DB-3C1C-47E0-AE73-99F3EFD53322}" type="datetimeFigureOut">
               <a:rPr lang="en-US" smtClean="0"/>
-              <a:t>11/30/2022</a:t>
+              <a:t>12/15/2022</a:t>
             </a:fld>
             <a:endParaRPr lang="en-US"/>
           </a:p>
@@ -813,7 +817,7 @@
           <a:p>
             <a:fld id="{4EB7D4DB-3C1C-47E0-AE73-99F3EFD53322}" type="datetimeFigureOut">
               <a:rPr lang="en-US" smtClean="0"/>
-              <a:t>11/30/2022</a:t>
+              <a:t>12/15/2022</a:t>
             </a:fld>
             <a:endParaRPr lang="en-US"/>
           </a:p>
@@ -993,7 +997,7 @@
           <a:p>
             <a:fld id="{4EB7D4DB-3C1C-47E0-AE73-99F3EFD53322}" type="datetimeFigureOut">
               <a:rPr lang="en-US" smtClean="0"/>
-              <a:t>11/30/2022</a:t>
+              <a:t>12/15/2022</a:t>
             </a:fld>
             <a:endParaRPr lang="en-US"/>
           </a:p>
@@ -1163,7 +1167,7 @@
           <a:p>
             <a:fld id="{4EB7D4DB-3C1C-47E0-AE73-99F3EFD53322}" type="datetimeFigureOut">
               <a:rPr lang="en-US" smtClean="0"/>
-              <a:t>11/30/2022</a:t>
+              <a:t>12/15/2022</a:t>
             </a:fld>
             <a:endParaRPr lang="en-US"/>
           </a:p>
@@ -1409,7 +1413,7 @@
           <a:p>
             <a:fld id="{4EB7D4DB-3C1C-47E0-AE73-99F3EFD53322}" type="datetimeFigureOut">
               <a:rPr lang="en-US" smtClean="0"/>
-              <a:t>11/30/2022</a:t>
+              <a:t>12/15/2022</a:t>
             </a:fld>
             <a:endParaRPr lang="en-US"/>
           </a:p>
@@ -1697,7 +1701,7 @@
           <a:p>
             <a:fld id="{4EB7D4DB-3C1C-47E0-AE73-99F3EFD53322}" type="datetimeFigureOut">
               <a:rPr lang="en-US" smtClean="0"/>
-              <a:t>11/30/2022</a:t>
+              <a:t>12/15/2022</a:t>
             </a:fld>
             <a:endParaRPr lang="en-US"/>
           </a:p>
@@ -2119,7 +2123,7 @@
           <a:p>
             <a:fld id="{4EB7D4DB-3C1C-47E0-AE73-99F3EFD53322}" type="datetimeFigureOut">
               <a:rPr lang="en-US" smtClean="0"/>
-              <a:t>11/30/2022</a:t>
+              <a:t>12/15/2022</a:t>
             </a:fld>
             <a:endParaRPr lang="en-US"/>
           </a:p>
@@ -2237,7 +2241,7 @@
           <a:p>
             <a:fld id="{4EB7D4DB-3C1C-47E0-AE73-99F3EFD53322}" type="datetimeFigureOut">
               <a:rPr lang="en-US" smtClean="0"/>
-              <a:t>11/30/2022</a:t>
+              <a:t>12/15/2022</a:t>
             </a:fld>
             <a:endParaRPr lang="en-US"/>
           </a:p>
@@ -2332,7 +2336,7 @@
           <a:p>
             <a:fld id="{4EB7D4DB-3C1C-47E0-AE73-99F3EFD53322}" type="datetimeFigureOut">
               <a:rPr lang="en-US" smtClean="0"/>
-              <a:t>11/30/2022</a:t>
+              <a:t>12/15/2022</a:t>
             </a:fld>
             <a:endParaRPr lang="en-US"/>
           </a:p>
@@ -2609,7 +2613,7 @@
           <a:p>
             <a:fld id="{4EB7D4DB-3C1C-47E0-AE73-99F3EFD53322}" type="datetimeFigureOut">
               <a:rPr lang="en-US" smtClean="0"/>
-              <a:t>11/30/2022</a:t>
+              <a:t>12/15/2022</a:t>
             </a:fld>
             <a:endParaRPr lang="en-US"/>
           </a:p>
@@ -2862,7 +2866,7 @@
           <a:p>
             <a:fld id="{4EB7D4DB-3C1C-47E0-AE73-99F3EFD53322}" type="datetimeFigureOut">
               <a:rPr lang="en-US" smtClean="0"/>
-              <a:t>11/30/2022</a:t>
+              <a:t>12/15/2022</a:t>
             </a:fld>
             <a:endParaRPr lang="en-US"/>
           </a:p>
@@ -3075,7 +3079,7 @@
           <a:p>
             <a:fld id="{4EB7D4DB-3C1C-47E0-AE73-99F3EFD53322}" type="datetimeFigureOut">
               <a:rPr lang="en-US" smtClean="0"/>
-              <a:t>11/30/2022</a:t>
+              <a:t>12/15/2022</a:t>
             </a:fld>
             <a:endParaRPr lang="en-US"/>
           </a:p>
@@ -3669,8 +3673,8 @@
         </p:nvSpPr>
         <p:spPr>
           <a:xfrm>
-            <a:off x="533400" y="3780472"/>
-            <a:ext cx="8015287" cy="1569660"/>
+            <a:off x="533400" y="4191000"/>
+            <a:ext cx="8015287" cy="1292662"/>
           </a:xfrm>
           <a:prstGeom prst="rect">
             <a:avLst/>
@@ -3706,14 +3710,6 @@
               <a:rPr lang="en-US" b="1" dirty="0" smtClean="0"/>
               <a:t>Senior Software Engineer/Principal</a:t>
             </a:r>
-          </a:p>
-          <a:p>
-            <a:pPr algn="ctr"/>
-            <a:r>
-              <a:rPr lang="en-US" b="1" dirty="0" smtClean="0"/>
-              <a:t>KAL Technology IT Consulting</a:t>
-            </a:r>
-            <a:endParaRPr lang="en-US" b="1" dirty="0"/>
           </a:p>
         </p:txBody>
       </p:sp>
@@ -3773,51 +3769,286 @@
               <a:buNone/>
             </a:pPr>
             <a:r>
+              <a:rPr lang="en-US" sz="1800" dirty="0"/>
+              <a:t>With the </a:t>
+            </a:r>
+            <a:r>
+              <a:rPr lang="en-US" sz="1800" dirty="0" smtClean="0"/>
+              <a:t>advent </a:t>
+            </a:r>
+            <a:r>
+              <a:rPr lang="en-US" sz="1800" dirty="0"/>
+              <a:t>of integrated development environments (IDE) such as </a:t>
+            </a:r>
+            <a:r>
+              <a:rPr lang="en-US" sz="1800" b="1" dirty="0"/>
+              <a:t>AWS </a:t>
+            </a:r>
+            <a:r>
               <a:rPr lang="en-US" sz="1800" b="1" dirty="0" smtClean="0"/>
-              <a:t>Lab Prerequisites:</a:t>
+              <a:t>SageMaker </a:t>
+            </a:r>
+            <a:r>
+              <a:rPr lang="en-US" sz="1800" b="1" dirty="0"/>
+              <a:t>Studio </a:t>
+            </a:r>
+            <a:r>
+              <a:rPr lang="en-US" sz="1800" b="1" dirty="0" smtClean="0"/>
+              <a:t>for Machine </a:t>
+            </a:r>
+            <a:r>
+              <a:rPr lang="en-US" sz="1800" b="1" dirty="0"/>
+              <a:t>Learning</a:t>
+            </a:r>
+            <a:r>
+              <a:rPr lang="en-US" sz="1800" dirty="0"/>
+              <a:t> (ML), it's now possible to provide a single integrated view where you can </a:t>
+            </a:r>
+            <a:r>
+              <a:rPr lang="en-US" sz="1800" dirty="0" smtClean="0"/>
+              <a:t>access purpose-built </a:t>
+            </a:r>
+            <a:r>
+              <a:rPr lang="en-US" sz="1800" dirty="0"/>
+              <a:t>tools to perform ML </a:t>
+            </a:r>
+            <a:r>
+              <a:rPr lang="en-US" sz="1800" dirty="0" smtClean="0"/>
+              <a:t>tasks for preparing </a:t>
+            </a:r>
+            <a:r>
+              <a:rPr lang="en-US" sz="1800" dirty="0"/>
+              <a:t>data to </a:t>
+            </a:r>
+            <a:r>
+              <a:rPr lang="en-US" sz="1800" dirty="0" smtClean="0"/>
+              <a:t>building, training</a:t>
+            </a:r>
+            <a:r>
+              <a:rPr lang="en-US" sz="1800" dirty="0"/>
+              <a:t>, and deploying </a:t>
+            </a:r>
+            <a:r>
+              <a:rPr lang="en-US" sz="1800" dirty="0" smtClean="0"/>
+              <a:t>ML </a:t>
+            </a:r>
+            <a:r>
+              <a:rPr lang="en-US" sz="1800" dirty="0"/>
+              <a:t>models.</a:t>
+            </a:r>
+            <a:br>
+              <a:rPr lang="en-US" sz="1800" dirty="0"/>
+            </a:br>
+            <a:r>
+              <a:rPr lang="en-US" sz="1800" dirty="0"/>
+              <a:t/>
+            </a:r>
+            <a:br>
+              <a:rPr lang="en-US" sz="1800" dirty="0"/>
+            </a:br>
+            <a:r>
+              <a:rPr lang="en-US" sz="1800" b="1" dirty="0"/>
+              <a:t>Kubeflow</a:t>
+            </a:r>
+            <a:r>
+              <a:rPr lang="en-US" sz="1800" dirty="0"/>
+              <a:t> is an </a:t>
+            </a:r>
+            <a:r>
+              <a:rPr lang="en-US" sz="1800" dirty="0" smtClean="0"/>
+              <a:t>open source </a:t>
+            </a:r>
+            <a:r>
+              <a:rPr lang="en-US" sz="1800" dirty="0"/>
+              <a:t>ML IDE </a:t>
+            </a:r>
+            <a:r>
+              <a:rPr lang="en-US" sz="1800" dirty="0" smtClean="0"/>
+              <a:t>where you can also access </a:t>
+            </a:r>
+            <a:r>
+              <a:rPr lang="en-US" sz="1800" dirty="0" smtClean="0"/>
+              <a:t>purpose-built </a:t>
+            </a:r>
+            <a:r>
+              <a:rPr lang="en-US" sz="1800" dirty="0"/>
+              <a:t>tools to </a:t>
+            </a:r>
+            <a:r>
+              <a:rPr lang="en-US" sz="1800" dirty="0" smtClean="0"/>
+              <a:t>preform </a:t>
+            </a:r>
+            <a:r>
+              <a:rPr lang="en-US" sz="1800" dirty="0"/>
+              <a:t>ML </a:t>
+            </a:r>
+            <a:r>
+              <a:rPr lang="en-US" sz="1800" dirty="0" smtClean="0"/>
+              <a:t>tasks for preparing </a:t>
+            </a:r>
+            <a:r>
+              <a:rPr lang="en-US" sz="1800" dirty="0"/>
+              <a:t>data to building, training, and deploying your ML </a:t>
+            </a:r>
+            <a:r>
+              <a:rPr lang="en-US" sz="1800" dirty="0" smtClean="0"/>
+              <a:t>models, but </a:t>
+            </a:r>
+            <a:r>
+              <a:rPr lang="en-US" sz="1800" dirty="0" smtClean="0"/>
+              <a:t>run them on a Kubernetes cluster.  Because </a:t>
+            </a:r>
+            <a:r>
+              <a:rPr lang="en-US" sz="1800" dirty="0"/>
+              <a:t>it runs on Kubernetes its portable and scalable across multiple cloud and </a:t>
+            </a:r>
+            <a:r>
+              <a:rPr lang="en-US" sz="1800" dirty="0" smtClean="0"/>
+              <a:t>on premise infrastructure</a:t>
+            </a:r>
+            <a:r>
+              <a:rPr lang="en-US" sz="1800" dirty="0" smtClean="0"/>
+              <a:t>.</a:t>
             </a:r>
           </a:p>
           <a:p>
             <a:pPr marL="0" indent="0">
               <a:buNone/>
             </a:pPr>
-            <a:endParaRPr lang="en-US" sz="1800" b="1" dirty="0"/>
-          </a:p>
-          <a:p>
-            <a:r>
-              <a:rPr lang="en-US" sz="1800" b="1" dirty="0" smtClean="0"/>
-              <a:t>AWS Account with Root Access</a:t>
-            </a:r>
-          </a:p>
-          <a:p>
-            <a:r>
-              <a:rPr lang="en-US" sz="1800" b="1" dirty="0" smtClean="0"/>
-              <a:t>Ability to ssh Remotely to an EC2 Instance</a:t>
-            </a:r>
-          </a:p>
-          <a:p>
-            <a:r>
-              <a:rPr lang="en-US" sz="1800" b="1" dirty="0" smtClean="0"/>
-              <a:t>Familiar with AWS Console and of AWS Services</a:t>
-            </a:r>
-          </a:p>
-          <a:p>
-            <a:r>
-              <a:rPr lang="en-US" sz="1800" b="1" dirty="0" smtClean="0"/>
-              <a:t>Familiar with Kubernetes and AWS </a:t>
-            </a:r>
-            <a:r>
-              <a:rPr lang="en-US" sz="1800" b="1" dirty="0"/>
-              <a:t>Elastic Kubernetes </a:t>
-            </a:r>
-            <a:r>
-              <a:rPr lang="en-US" sz="1800" b="1" dirty="0" smtClean="0"/>
-              <a:t>Service</a:t>
-            </a:r>
-            <a:endParaRPr lang="en-US" sz="1800" b="1" dirty="0"/>
-          </a:p>
-        </p:txBody>
-      </p:sp>
+            <a:endParaRPr lang="en-US" sz="1800" dirty="0" smtClean="0"/>
+          </a:p>
+          <a:p>
+            <a:pPr marL="0" indent="0">
+              <a:buNone/>
+            </a:pPr>
+            <a:r>
+              <a:rPr lang="en-US" sz="1800" dirty="0" smtClean="0"/>
+              <a:t>In this presentation we will provide a </a:t>
+            </a:r>
+            <a:r>
+              <a:rPr lang="en-US" sz="1800" dirty="0"/>
+              <a:t>high-level </a:t>
+            </a:r>
+            <a:r>
+              <a:rPr lang="en-US" sz="1800" dirty="0" smtClean="0"/>
+              <a:t>architectural view of Kubeflow and then jump right into a lab.  </a:t>
+            </a:r>
+            <a:endParaRPr lang="en-US" sz="1800" dirty="0"/>
+          </a:p>
+        </p:txBody>
+      </p:sp>
+      <p:grpSp>
+        <p:nvGrpSpPr>
+          <p:cNvPr id="7" name="Group 6"/>
+          <p:cNvGrpSpPr/>
+          <p:nvPr/>
+        </p:nvGrpSpPr>
+        <p:grpSpPr>
+          <a:xfrm>
+            <a:off x="2514600" y="218979"/>
+            <a:ext cx="4114800" cy="762000"/>
+            <a:chOff x="568174" y="220462"/>
+            <a:chExt cx="3102037" cy="762000"/>
+          </a:xfrm>
+        </p:grpSpPr>
+        <p:pic>
+          <p:nvPicPr>
+            <p:cNvPr id="8" name="Picture 7"/>
+            <p:cNvPicPr>
+              <a:picLocks noChangeAspect="1"/>
+            </p:cNvPicPr>
+            <p:nvPr/>
+          </p:nvPicPr>
+          <p:blipFill>
+            <a:blip r:embed="rId2">
+              <a:extLst>
+                <a:ext uri="{28A0092B-C50C-407E-A947-70E740481C1C}">
+                  <a14:useLocalDpi xmlns:a14="http://schemas.microsoft.com/office/drawing/2010/main" val="0"/>
+                </a:ext>
+              </a:extLst>
+            </a:blip>
+            <a:stretch>
+              <a:fillRect/>
+            </a:stretch>
+          </p:blipFill>
+          <p:spPr>
+            <a:xfrm>
+              <a:off x="568174" y="220462"/>
+              <a:ext cx="861676" cy="762000"/>
+            </a:xfrm>
+            <a:prstGeom prst="rect">
+              <a:avLst/>
+            </a:prstGeom>
+          </p:spPr>
+        </p:pic>
+        <p:sp>
+          <p:nvSpPr>
+            <p:cNvPr id="9" name="TextBox 8"/>
+            <p:cNvSpPr txBox="1"/>
+            <p:nvPr/>
+          </p:nvSpPr>
+          <p:spPr>
+            <a:xfrm>
+              <a:off x="1528722" y="285820"/>
+              <a:ext cx="2141489" cy="584775"/>
+            </a:xfrm>
+            <a:prstGeom prst="rect">
+              <a:avLst/>
+            </a:prstGeom>
+            <a:noFill/>
+          </p:spPr>
+          <p:txBody>
+            <a:bodyPr wrap="none" rtlCol="0">
+              <a:spAutoFit/>
+            </a:bodyPr>
+            <a:lstStyle/>
+            <a:p>
+              <a:r>
+                <a:rPr lang="en-US" sz="3200" b="1" dirty="0" smtClean="0"/>
+                <a:t>KAL Technology</a:t>
+              </a:r>
+              <a:endParaRPr lang="en-US" sz="3200" b="1" dirty="0"/>
+            </a:p>
+          </p:txBody>
+        </p:sp>
+      </p:grpSp>
+    </p:spTree>
+    <p:extLst>
+      <p:ext uri="{BB962C8B-B14F-4D97-AF65-F5344CB8AC3E}">
+        <p14:creationId xmlns:p14="http://schemas.microsoft.com/office/powerpoint/2010/main" val="4216413515"/>
+      </p:ext>
+    </p:extLst>
+  </p:cSld>
+  <p:clrMapOvr>
+    <a:masterClrMapping/>
+  </p:clrMapOvr>
+  <p:timing>
+    <p:tnLst>
+      <p:par>
+        <p:cTn id="1" dur="indefinite" restart="never" nodeType="tmRoot"/>
+      </p:par>
+    </p:tnLst>
+  </p:timing>
+</p:sld>
+</file>
+
+<file path=ppt/slides/slide3.xml><?xml version="1.0" encoding="utf-8"?>
+<p:sld xmlns:a="http://schemas.openxmlformats.org/drawingml/2006/main" xmlns:r="http://schemas.openxmlformats.org/officeDocument/2006/relationships" xmlns:p="http://schemas.openxmlformats.org/presentationml/2006/main">
+  <p:cSld>
+    <p:spTree>
+      <p:nvGrpSpPr>
+        <p:cNvPr id="1" name=""/>
+        <p:cNvGrpSpPr/>
+        <p:nvPr/>
+      </p:nvGrpSpPr>
+      <p:grpSpPr>
+        <a:xfrm>
+          <a:off x="0" y="0"/>
+          <a:ext cx="0" cy="0"/>
+          <a:chOff x="0" y="0"/>
+          <a:chExt cx="0" cy="0"/>
+        </a:xfrm>
+      </p:grpSpPr>
       <p:grpSp>
         <p:nvGrpSpPr>
           <p:cNvPr id="4" name="Group 3"/>
@@ -3826,10 +4057,10 @@
         </p:nvGrpSpPr>
         <p:grpSpPr>
           <a:xfrm>
-            <a:off x="1371600" y="218979"/>
-            <a:ext cx="6358554" cy="762000"/>
-            <a:chOff x="609601" y="220462"/>
-            <a:chExt cx="4793543" cy="762000"/>
+            <a:off x="2514600" y="218979"/>
+            <a:ext cx="4114800" cy="762000"/>
+            <a:chOff x="568174" y="220462"/>
+            <a:chExt cx="3102037" cy="762000"/>
           </a:xfrm>
         </p:grpSpPr>
         <p:pic>
@@ -3854,7 +4085,7 @@
           </p:blipFill>
           <p:spPr>
             <a:xfrm>
-              <a:off x="609601" y="220462"/>
+              <a:off x="568174" y="220462"/>
               <a:ext cx="861676" cy="762000"/>
             </a:xfrm>
             <a:prstGeom prst="rect">
@@ -3871,7 +4102,7 @@
           <p:spPr>
             <a:xfrm>
               <a:off x="1528722" y="285820"/>
-              <a:ext cx="3874422" cy="584775"/>
+              <a:ext cx="2141489" cy="584775"/>
             </a:xfrm>
             <a:prstGeom prst="rect">
               <a:avLst/>
@@ -3886,13 +4117,73 @@
             <a:p>
               <a:r>
                 <a:rPr lang="en-US" sz="3200" b="1" dirty="0" smtClean="0"/>
-                <a:t>KAL Technology IT Consulting</a:t>
+                <a:t>KAL Technology</a:t>
               </a:r>
               <a:endParaRPr lang="en-US" sz="3200" b="1" dirty="0"/>
             </a:p>
           </p:txBody>
         </p:sp>
       </p:grpSp>
+      <p:pic>
+        <p:nvPicPr>
+          <p:cNvPr id="18" name="Picture 17"/>
+          <p:cNvPicPr>
+            <a:picLocks noChangeAspect="1"/>
+          </p:cNvPicPr>
+          <p:nvPr/>
+        </p:nvPicPr>
+        <p:blipFill>
+          <a:blip r:embed="rId3">
+            <a:extLst>
+              <a:ext uri="{28A0092B-C50C-407E-A947-70E740481C1C}">
+                <a14:useLocalDpi xmlns:a14="http://schemas.microsoft.com/office/drawing/2010/main" val="0"/>
+              </a:ext>
+            </a:extLst>
+          </a:blip>
+          <a:stretch>
+            <a:fillRect/>
+          </a:stretch>
+        </p:blipFill>
+        <p:spPr>
+          <a:xfrm>
+            <a:off x="0" y="1843682"/>
+            <a:ext cx="9144000" cy="4938118"/>
+          </a:xfrm>
+          <a:prstGeom prst="rect">
+            <a:avLst/>
+          </a:prstGeom>
+        </p:spPr>
+      </p:pic>
+      <p:sp>
+        <p:nvSpPr>
+          <p:cNvPr id="19" name="TextBox 18"/>
+          <p:cNvSpPr txBox="1"/>
+          <p:nvPr/>
+        </p:nvSpPr>
+        <p:spPr>
+          <a:xfrm>
+            <a:off x="2792671" y="1229380"/>
+            <a:ext cx="3531929" cy="523220"/>
+          </a:xfrm>
+          <a:prstGeom prst="rect">
+            <a:avLst/>
+          </a:prstGeom>
+          <a:noFill/>
+        </p:spPr>
+        <p:txBody>
+          <a:bodyPr wrap="none" rtlCol="0">
+            <a:spAutoFit/>
+          </a:bodyPr>
+          <a:lstStyle/>
+          <a:p>
+            <a:r>
+              <a:rPr lang="en-US" sz="2800" b="1" dirty="0" smtClean="0"/>
+              <a:t>Kubeflow Architecture</a:t>
+            </a:r>
+            <a:endParaRPr lang="en-US" sz="2800" b="1" dirty="0"/>
+          </a:p>
+        </p:txBody>
+      </p:sp>
     </p:spTree>
     <p:extLst>
       <p:ext uri="{BB962C8B-B14F-4D97-AF65-F5344CB8AC3E}">
@@ -3903,10 +4194,17 @@
   <p:clrMapOvr>
     <a:masterClrMapping/>
   </p:clrMapOvr>
+  <p:timing>
+    <p:tnLst>
+      <p:par>
+        <p:cTn id="1" dur="indefinite" restart="never" nodeType="tmRoot"/>
+      </p:par>
+    </p:tnLst>
+  </p:timing>
 </p:sld>
 </file>
 
-<file path=ppt/slides/slide3.xml><?xml version="1.0" encoding="utf-8"?>
+<file path=ppt/slides/slide4.xml><?xml version="1.0" encoding="utf-8"?>
 <p:sld xmlns:a="http://schemas.openxmlformats.org/drawingml/2006/main" xmlns:r="http://schemas.openxmlformats.org/officeDocument/2006/relationships" xmlns:p="http://schemas.openxmlformats.org/presentationml/2006/main">
   <p:cSld>
     <p:spTree>
@@ -3925,21 +4223,21 @@
       </p:grpSpPr>
       <p:grpSp>
         <p:nvGrpSpPr>
-          <p:cNvPr id="2" name="Group 1"/>
+          <p:cNvPr id="4" name="Group 3"/>
           <p:cNvGrpSpPr/>
           <p:nvPr/>
         </p:nvGrpSpPr>
         <p:grpSpPr>
           <a:xfrm>
-            <a:off x="1371600" y="218979"/>
-            <a:ext cx="6358554" cy="762000"/>
-            <a:chOff x="609601" y="220462"/>
-            <a:chExt cx="4793543" cy="762000"/>
+            <a:off x="2514600" y="218979"/>
+            <a:ext cx="4114800" cy="762000"/>
+            <a:chOff x="568174" y="220462"/>
+            <a:chExt cx="3102037" cy="762000"/>
           </a:xfrm>
         </p:grpSpPr>
         <p:pic>
           <p:nvPicPr>
-            <p:cNvPr id="3" name="Picture 2"/>
+            <p:cNvPr id="5" name="Picture 4"/>
             <p:cNvPicPr>
               <a:picLocks noChangeAspect="1"/>
             </p:cNvPicPr>
@@ -3959,7 +4257,7 @@
           </p:blipFill>
           <p:spPr>
             <a:xfrm>
-              <a:off x="609601" y="220462"/>
+              <a:off x="568174" y="220462"/>
               <a:ext cx="861676" cy="762000"/>
             </a:xfrm>
             <a:prstGeom prst="rect">
@@ -3969,14 +4267,14 @@
         </p:pic>
         <p:sp>
           <p:nvSpPr>
-            <p:cNvPr id="4" name="TextBox 3"/>
+            <p:cNvPr id="6" name="TextBox 5"/>
             <p:cNvSpPr txBox="1"/>
             <p:nvPr/>
           </p:nvSpPr>
           <p:spPr>
             <a:xfrm>
               <a:off x="1528722" y="285820"/>
-              <a:ext cx="3874422" cy="584775"/>
+              <a:ext cx="2141489" cy="584775"/>
             </a:xfrm>
             <a:prstGeom prst="rect">
               <a:avLst/>
@@ -3991,13 +4289,473 @@
             <a:p>
               <a:r>
                 <a:rPr lang="en-US" sz="3200" b="1" dirty="0" smtClean="0"/>
-                <a:t>KAL Technology IT Consulting</a:t>
+                <a:t>KAL Technology</a:t>
               </a:r>
               <a:endParaRPr lang="en-US" sz="3200" b="1" dirty="0"/>
             </a:p>
           </p:txBody>
         </p:sp>
       </p:grpSp>
+      <p:pic>
+        <p:nvPicPr>
+          <p:cNvPr id="2" name="Picture 1"/>
+          <p:cNvPicPr>
+            <a:picLocks noChangeAspect="1"/>
+          </p:cNvPicPr>
+          <p:nvPr/>
+        </p:nvPicPr>
+        <p:blipFill>
+          <a:blip r:embed="rId3">
+            <a:extLst>
+              <a:ext uri="{28A0092B-C50C-407E-A947-70E740481C1C}">
+                <a14:useLocalDpi xmlns:a14="http://schemas.microsoft.com/office/drawing/2010/main" val="0"/>
+              </a:ext>
+            </a:extLst>
+          </a:blip>
+          <a:stretch>
+            <a:fillRect/>
+          </a:stretch>
+        </p:blipFill>
+        <p:spPr>
+          <a:xfrm>
+            <a:off x="0" y="1735726"/>
+            <a:ext cx="9144000" cy="5046074"/>
+          </a:xfrm>
+          <a:prstGeom prst="rect">
+            <a:avLst/>
+          </a:prstGeom>
+        </p:spPr>
+      </p:pic>
+      <p:sp>
+        <p:nvSpPr>
+          <p:cNvPr id="7" name="TextBox 6"/>
+          <p:cNvSpPr txBox="1"/>
+          <p:nvPr/>
+        </p:nvSpPr>
+        <p:spPr>
+          <a:xfrm>
+            <a:off x="2895600" y="1153180"/>
+            <a:ext cx="3302186" cy="523220"/>
+          </a:xfrm>
+          <a:prstGeom prst="rect">
+            <a:avLst/>
+          </a:prstGeom>
+          <a:noFill/>
+        </p:spPr>
+        <p:txBody>
+          <a:bodyPr wrap="none" rtlCol="0">
+            <a:spAutoFit/>
+          </a:bodyPr>
+          <a:lstStyle/>
+          <a:p>
+            <a:r>
+              <a:rPr lang="en-US" sz="2800" b="1" dirty="0" smtClean="0"/>
+              <a:t>Kubeflow Dashboard</a:t>
+            </a:r>
+            <a:endParaRPr lang="en-US" sz="2800" b="1" dirty="0"/>
+          </a:p>
+        </p:txBody>
+      </p:sp>
+    </p:spTree>
+    <p:extLst>
+      <p:ext uri="{BB962C8B-B14F-4D97-AF65-F5344CB8AC3E}">
+        <p14:creationId xmlns:p14="http://schemas.microsoft.com/office/powerpoint/2010/main" val="4010390792"/>
+      </p:ext>
+    </p:extLst>
+  </p:cSld>
+  <p:clrMapOvr>
+    <a:masterClrMapping/>
+  </p:clrMapOvr>
+  <p:timing>
+    <p:tnLst>
+      <p:par>
+        <p:cTn id="1" dur="indefinite" restart="never" nodeType="tmRoot"/>
+      </p:par>
+    </p:tnLst>
+  </p:timing>
+</p:sld>
+</file>
+
+<file path=ppt/slides/slide5.xml><?xml version="1.0" encoding="utf-8"?>
+<p:sld xmlns:a="http://schemas.openxmlformats.org/drawingml/2006/main" xmlns:r="http://schemas.openxmlformats.org/officeDocument/2006/relationships" xmlns:p="http://schemas.openxmlformats.org/presentationml/2006/main">
+  <p:cSld>
+    <p:spTree>
+      <p:nvGrpSpPr>
+        <p:cNvPr id="1" name=""/>
+        <p:cNvGrpSpPr/>
+        <p:nvPr/>
+      </p:nvGrpSpPr>
+      <p:grpSpPr>
+        <a:xfrm>
+          <a:off x="0" y="0"/>
+          <a:ext cx="0" cy="0"/>
+          <a:chOff x="0" y="0"/>
+          <a:chExt cx="0" cy="0"/>
+        </a:xfrm>
+      </p:grpSpPr>
+      <p:sp>
+        <p:nvSpPr>
+          <p:cNvPr id="3" name="Content Placeholder 2"/>
+          <p:cNvSpPr>
+            <a:spLocks noGrp="1"/>
+          </p:cNvSpPr>
+          <p:nvPr>
+            <p:ph idx="1"/>
+          </p:nvPr>
+        </p:nvSpPr>
+        <p:spPr/>
+        <p:txBody>
+          <a:bodyPr/>
+          <a:lstStyle/>
+          <a:p>
+            <a:pPr marL="0" indent="0">
+              <a:buNone/>
+            </a:pPr>
+            <a:r>
+              <a:rPr lang="en-US" sz="1800" dirty="0" smtClean="0"/>
+              <a:t>Lab Prerequisites:</a:t>
+            </a:r>
+          </a:p>
+          <a:p>
+            <a:pPr marL="0" indent="0">
+              <a:buNone/>
+            </a:pPr>
+            <a:endParaRPr lang="en-US" sz="1800" dirty="0"/>
+          </a:p>
+          <a:p>
+            <a:r>
+              <a:rPr lang="en-US" sz="1800" dirty="0" smtClean="0"/>
+              <a:t>AWS </a:t>
+            </a:r>
+            <a:r>
+              <a:rPr lang="en-US" sz="1800" dirty="0" smtClean="0"/>
+              <a:t>Account</a:t>
+            </a:r>
+            <a:endParaRPr lang="en-US" sz="1800" dirty="0" smtClean="0"/>
+          </a:p>
+          <a:p>
+            <a:r>
+              <a:rPr lang="en-US" sz="1800" dirty="0" smtClean="0"/>
+              <a:t>Ability to ssh Remotely to an EC2 Instance</a:t>
+            </a:r>
+          </a:p>
+        </p:txBody>
+      </p:sp>
+      <p:grpSp>
+        <p:nvGrpSpPr>
+          <p:cNvPr id="10" name="Group 9"/>
+          <p:cNvGrpSpPr/>
+          <p:nvPr/>
+        </p:nvGrpSpPr>
+        <p:grpSpPr>
+          <a:xfrm>
+            <a:off x="2514600" y="218979"/>
+            <a:ext cx="4114800" cy="762000"/>
+            <a:chOff x="568174" y="220462"/>
+            <a:chExt cx="3102037" cy="762000"/>
+          </a:xfrm>
+        </p:grpSpPr>
+        <p:pic>
+          <p:nvPicPr>
+            <p:cNvPr id="11" name="Picture 10"/>
+            <p:cNvPicPr>
+              <a:picLocks noChangeAspect="1"/>
+            </p:cNvPicPr>
+            <p:nvPr/>
+          </p:nvPicPr>
+          <p:blipFill>
+            <a:blip r:embed="rId2">
+              <a:extLst>
+                <a:ext uri="{28A0092B-C50C-407E-A947-70E740481C1C}">
+                  <a14:useLocalDpi xmlns:a14="http://schemas.microsoft.com/office/drawing/2010/main" val="0"/>
+                </a:ext>
+              </a:extLst>
+            </a:blip>
+            <a:stretch>
+              <a:fillRect/>
+            </a:stretch>
+          </p:blipFill>
+          <p:spPr>
+            <a:xfrm>
+              <a:off x="568174" y="220462"/>
+              <a:ext cx="861676" cy="762000"/>
+            </a:xfrm>
+            <a:prstGeom prst="rect">
+              <a:avLst/>
+            </a:prstGeom>
+          </p:spPr>
+        </p:pic>
+        <p:sp>
+          <p:nvSpPr>
+            <p:cNvPr id="12" name="TextBox 11"/>
+            <p:cNvSpPr txBox="1"/>
+            <p:nvPr/>
+          </p:nvSpPr>
+          <p:spPr>
+            <a:xfrm>
+              <a:off x="1528722" y="285820"/>
+              <a:ext cx="2141489" cy="584775"/>
+            </a:xfrm>
+            <a:prstGeom prst="rect">
+              <a:avLst/>
+            </a:prstGeom>
+            <a:noFill/>
+          </p:spPr>
+          <p:txBody>
+            <a:bodyPr wrap="none" rtlCol="0">
+              <a:spAutoFit/>
+            </a:bodyPr>
+            <a:lstStyle/>
+            <a:p>
+              <a:r>
+                <a:rPr lang="en-US" sz="3200" b="1" dirty="0" smtClean="0"/>
+                <a:t>KAL Technology</a:t>
+              </a:r>
+              <a:endParaRPr lang="en-US" sz="3200" b="1" dirty="0"/>
+            </a:p>
+          </p:txBody>
+        </p:sp>
+      </p:grpSp>
+    </p:spTree>
+    <p:extLst>
+      <p:ext uri="{BB962C8B-B14F-4D97-AF65-F5344CB8AC3E}">
+        <p14:creationId xmlns:p14="http://schemas.microsoft.com/office/powerpoint/2010/main" val="546475874"/>
+      </p:ext>
+    </p:extLst>
+  </p:cSld>
+  <p:clrMapOvr>
+    <a:masterClrMapping/>
+  </p:clrMapOvr>
+  <p:timing>
+    <p:tnLst>
+      <p:par>
+        <p:cTn id="1" dur="indefinite" restart="never" nodeType="tmRoot"/>
+      </p:par>
+    </p:tnLst>
+  </p:timing>
+</p:sld>
+</file>
+
+<file path=ppt/slides/slide6.xml><?xml version="1.0" encoding="utf-8"?>
+<p:sld xmlns:a="http://schemas.openxmlformats.org/drawingml/2006/main" xmlns:r="http://schemas.openxmlformats.org/officeDocument/2006/relationships" xmlns:p="http://schemas.openxmlformats.org/presentationml/2006/main">
+  <p:cSld>
+    <p:spTree>
+      <p:nvGrpSpPr>
+        <p:cNvPr id="1" name=""/>
+        <p:cNvGrpSpPr/>
+        <p:nvPr/>
+      </p:nvGrpSpPr>
+      <p:grpSpPr>
+        <a:xfrm>
+          <a:off x="0" y="0"/>
+          <a:ext cx="0" cy="0"/>
+          <a:chOff x="0" y="0"/>
+          <a:chExt cx="0" cy="0"/>
+        </a:xfrm>
+      </p:grpSpPr>
+      <p:sp>
+        <p:nvSpPr>
+          <p:cNvPr id="3" name="Content Placeholder 2"/>
+          <p:cNvSpPr>
+            <a:spLocks noGrp="1"/>
+          </p:cNvSpPr>
+          <p:nvPr>
+            <p:ph idx="1"/>
+          </p:nvPr>
+        </p:nvSpPr>
+        <p:spPr/>
+        <p:txBody>
+          <a:bodyPr/>
+          <a:lstStyle/>
+          <a:p>
+            <a:pPr marL="0" indent="0">
+              <a:buNone/>
+            </a:pPr>
+            <a:r>
+              <a:rPr lang="en-US" sz="1800" dirty="0" smtClean="0"/>
+              <a:t>Lab</a:t>
+            </a:r>
+          </a:p>
+          <a:p>
+            <a:pPr marL="0" indent="0">
+              <a:buNone/>
+            </a:pPr>
+            <a:endParaRPr lang="en-US" sz="1800" dirty="0"/>
+          </a:p>
+          <a:p>
+            <a:pPr marL="0" indent="0">
+              <a:buNone/>
+            </a:pPr>
+            <a:r>
+              <a:rPr lang="en-US" sz="1800" dirty="0" smtClean="0"/>
+              <a:t>For this lab we will install Kubeflow on AWS Elastic Kubernetes Service (EKS).   </a:t>
+            </a:r>
+            <a:br>
+              <a:rPr lang="en-US" sz="1800" dirty="0" smtClean="0"/>
+            </a:br>
+            <a:r>
+              <a:rPr lang="en-US" sz="1800" dirty="0" smtClean="0"/>
+              <a:t>Although I did find documentation on installing Kubeflow on EKS, it was either confusing, inaccurate, or missing information.</a:t>
+            </a:r>
+          </a:p>
+          <a:p>
+            <a:pPr marL="0" indent="0">
+              <a:buNone/>
+            </a:pPr>
+            <a:endParaRPr lang="en-US" sz="1800" dirty="0"/>
+          </a:p>
+          <a:p>
+            <a:pPr marL="0" indent="0">
+              <a:buNone/>
+            </a:pPr>
+            <a:r>
+              <a:rPr lang="en-US" sz="1800" dirty="0"/>
+              <a:t>It’s pretty hard to experiment and work with something new if you can’t get the basic service running.  So I developed a reliable, repeatable process to get you up and running  with Kubeflow quickly</a:t>
+            </a:r>
+            <a:r>
+              <a:rPr lang="en-US" sz="1800" dirty="0" smtClean="0"/>
+              <a:t>.</a:t>
+            </a:r>
+            <a:endParaRPr lang="en-US" sz="1800" b="1" dirty="0" smtClean="0"/>
+          </a:p>
+          <a:p>
+            <a:pPr marL="0" indent="0">
+              <a:buNone/>
+            </a:pPr>
+            <a:endParaRPr lang="en-US" sz="1800" b="1" dirty="0"/>
+          </a:p>
+          <a:p>
+            <a:pPr marL="0" indent="0">
+              <a:buNone/>
+            </a:pPr>
+            <a:r>
+              <a:rPr lang="en-US" sz="1800" dirty="0" smtClean="0"/>
+              <a:t>Please see “AWS </a:t>
+            </a:r>
+            <a:r>
+              <a:rPr lang="en-US" sz="1800" dirty="0"/>
+              <a:t>Elastic Kubernetes Service (EKS) Kubeflow </a:t>
+            </a:r>
+            <a:r>
+              <a:rPr lang="en-US" sz="1800" dirty="0" smtClean="0"/>
+              <a:t>QuickStart” in the reference section of this slide deck which will take you to the GitHub project which contains the step by step instructions you’ll need.</a:t>
+            </a:r>
+            <a:endParaRPr lang="en-US" sz="1800" dirty="0"/>
+          </a:p>
+        </p:txBody>
+      </p:sp>
+      <p:grpSp>
+        <p:nvGrpSpPr>
+          <p:cNvPr id="4" name="Group 3"/>
+          <p:cNvGrpSpPr/>
+          <p:nvPr/>
+        </p:nvGrpSpPr>
+        <p:grpSpPr>
+          <a:xfrm>
+            <a:off x="2514600" y="218979"/>
+            <a:ext cx="4114800" cy="762000"/>
+            <a:chOff x="568174" y="220462"/>
+            <a:chExt cx="3102037" cy="762000"/>
+          </a:xfrm>
+        </p:grpSpPr>
+        <p:pic>
+          <p:nvPicPr>
+            <p:cNvPr id="5" name="Picture 4"/>
+            <p:cNvPicPr>
+              <a:picLocks noChangeAspect="1"/>
+            </p:cNvPicPr>
+            <p:nvPr/>
+          </p:nvPicPr>
+          <p:blipFill>
+            <a:blip r:embed="rId2">
+              <a:extLst>
+                <a:ext uri="{28A0092B-C50C-407E-A947-70E740481C1C}">
+                  <a14:useLocalDpi xmlns:a14="http://schemas.microsoft.com/office/drawing/2010/main" val="0"/>
+                </a:ext>
+              </a:extLst>
+            </a:blip>
+            <a:stretch>
+              <a:fillRect/>
+            </a:stretch>
+          </p:blipFill>
+          <p:spPr>
+            <a:xfrm>
+              <a:off x="568174" y="220462"/>
+              <a:ext cx="861676" cy="762000"/>
+            </a:xfrm>
+            <a:prstGeom prst="rect">
+              <a:avLst/>
+            </a:prstGeom>
+          </p:spPr>
+        </p:pic>
+        <p:sp>
+          <p:nvSpPr>
+            <p:cNvPr id="6" name="TextBox 5"/>
+            <p:cNvSpPr txBox="1"/>
+            <p:nvPr/>
+          </p:nvSpPr>
+          <p:spPr>
+            <a:xfrm>
+              <a:off x="1528722" y="285820"/>
+              <a:ext cx="2141489" cy="584775"/>
+            </a:xfrm>
+            <a:prstGeom prst="rect">
+              <a:avLst/>
+            </a:prstGeom>
+            <a:noFill/>
+          </p:spPr>
+          <p:txBody>
+            <a:bodyPr wrap="none" rtlCol="0">
+              <a:spAutoFit/>
+            </a:bodyPr>
+            <a:lstStyle/>
+            <a:p>
+              <a:r>
+                <a:rPr lang="en-US" sz="3200" b="1" dirty="0" smtClean="0"/>
+                <a:t>KAL Technology</a:t>
+              </a:r>
+              <a:endParaRPr lang="en-US" sz="3200" b="1" dirty="0"/>
+            </a:p>
+          </p:txBody>
+        </p:sp>
+      </p:grpSp>
+    </p:spTree>
+    <p:extLst>
+      <p:ext uri="{BB962C8B-B14F-4D97-AF65-F5344CB8AC3E}">
+        <p14:creationId xmlns:p14="http://schemas.microsoft.com/office/powerpoint/2010/main" val="1443698488"/>
+      </p:ext>
+    </p:extLst>
+  </p:cSld>
+  <p:clrMapOvr>
+    <a:masterClrMapping/>
+  </p:clrMapOvr>
+  <p:timing>
+    <p:tnLst>
+      <p:par>
+        <p:cTn id="1" dur="indefinite" restart="never" nodeType="tmRoot"/>
+      </p:par>
+    </p:tnLst>
+  </p:timing>
+</p:sld>
+</file>
+
+<file path=ppt/slides/slide7.xml><?xml version="1.0" encoding="utf-8"?>
+<p:sld xmlns:a="http://schemas.openxmlformats.org/drawingml/2006/main" xmlns:r="http://schemas.openxmlformats.org/officeDocument/2006/relationships" xmlns:p="http://schemas.openxmlformats.org/presentationml/2006/main">
+  <p:cSld>
+    <p:spTree>
+      <p:nvGrpSpPr>
+        <p:cNvPr id="1" name=""/>
+        <p:cNvGrpSpPr/>
+        <p:nvPr/>
+      </p:nvGrpSpPr>
+      <p:grpSpPr>
+        <a:xfrm>
+          <a:off x="0" y="0"/>
+          <a:ext cx="0" cy="0"/>
+          <a:chOff x="0" y="0"/>
+          <a:chExt cx="0" cy="0"/>
+        </a:xfrm>
+      </p:grpSpPr>
       <p:sp>
         <p:nvSpPr>
           <p:cNvPr id="5" name="TextBox 4"/>
@@ -4021,12 +4779,8 @@
           <a:lstStyle/>
           <a:p>
             <a:r>
-              <a:rPr lang="en-US" b="1" dirty="0" smtClean="0"/>
-              <a:t>References</a:t>
-            </a:r>
-            <a:r>
               <a:rPr lang="en-US" dirty="0" smtClean="0"/>
-              <a:t>:</a:t>
+              <a:t>References:</a:t>
             </a:r>
           </a:p>
           <a:p>
@@ -4034,8 +4788,38 @@
           </a:p>
           <a:p>
             <a:r>
-              <a:rPr lang="en-US" b="1" dirty="0" smtClean="0"/>
+              <a:rPr lang="en-US" dirty="0" smtClean="0"/>
               <a:t>Kubeflow</a:t>
+            </a:r>
+          </a:p>
+          <a:p>
+            <a:r>
+              <a:rPr lang="en-US" dirty="0" smtClean="0">
+                <a:hlinkClick r:id="rId2"/>
+              </a:rPr>
+              <a:t>https</a:t>
+            </a:r>
+            <a:r>
+              <a:rPr lang="en-US" dirty="0">
+                <a:hlinkClick r:id="rId2"/>
+              </a:rPr>
+              <a:t>://</a:t>
+            </a:r>
+            <a:r>
+              <a:rPr lang="en-US" dirty="0" smtClean="0">
+                <a:hlinkClick r:id="rId2"/>
+              </a:rPr>
+              <a:t>www.kubeflow.org/docs</a:t>
+            </a:r>
+            <a:endParaRPr lang="en-US" dirty="0" smtClean="0"/>
+          </a:p>
+          <a:p>
+            <a:endParaRPr lang="en-US" dirty="0"/>
+          </a:p>
+          <a:p>
+            <a:r>
+              <a:rPr lang="en-US" dirty="0"/>
+              <a:t>Kubeflow on AWS</a:t>
             </a:r>
           </a:p>
           <a:p>
@@ -4049,57 +4833,120 @@
               <a:rPr lang="en-US" dirty="0">
                 <a:hlinkClick r:id="rId3"/>
               </a:rPr>
-              <a:t>://</a:t>
+              <a:t>://awslabs.github.io/kubeflow-manifests</a:t>
             </a:r>
             <a:r>
               <a:rPr lang="en-US" dirty="0" smtClean="0">
                 <a:hlinkClick r:id="rId3"/>
               </a:rPr>
-              <a:t>www.kubeflow.org/docs</a:t>
+              <a:t>/</a:t>
             </a:r>
             <a:endParaRPr lang="en-US" dirty="0" smtClean="0"/>
           </a:p>
           <a:p>
+            <a:endParaRPr lang="en-US" dirty="0" smtClean="0"/>
+          </a:p>
+          <a:p>
+            <a:r>
+              <a:rPr lang="en-US" dirty="0" smtClean="0"/>
+              <a:t>AWS </a:t>
+            </a:r>
+            <a:r>
+              <a:rPr lang="en-US" dirty="0"/>
+              <a:t>Elastic Kubernetes Service (EKS) Kubeflow </a:t>
+            </a:r>
+            <a:r>
+              <a:rPr lang="en-US" dirty="0" smtClean="0"/>
+              <a:t>QuickStart</a:t>
+            </a:r>
             <a:endParaRPr lang="en-US" dirty="0"/>
           </a:p>
           <a:p>
-            <a:r>
-              <a:rPr lang="en-US" b="1" dirty="0"/>
-              <a:t>Kubeflow on AWS</a:t>
-            </a:r>
-          </a:p>
-          <a:p>
-            <a:r>
-              <a:rPr lang="en-US" dirty="0" smtClean="0">
-                <a:hlinkClick r:id="rId4"/>
-              </a:rPr>
-              <a:t>https</a:t>
-            </a:r>
             <a:r>
               <a:rPr lang="en-US" dirty="0">
                 <a:hlinkClick r:id="rId4"/>
               </a:rPr>
-              <a:t>://awslabs.github.io/kubeflow-manifests</a:t>
-            </a:r>
-            <a:r>
-              <a:rPr lang="en-US" dirty="0" smtClean="0">
-                <a:hlinkClick r:id="rId4"/>
-              </a:rPr>
-              <a:t>/</a:t>
-            </a:r>
-            <a:endParaRPr lang="en-US" dirty="0" smtClean="0"/>
-          </a:p>
-          <a:p>
-            <a:endParaRPr lang="en-US" dirty="0" smtClean="0"/>
-          </a:p>
-          <a:p>
+              <a:t>https://github.com/kskalvar/aws-eks-kubeflow-quickstart</a:t>
+            </a:r>
             <a:endParaRPr lang="en-US" dirty="0"/>
           </a:p>
-          <a:p>
-            <a:endParaRPr lang="en-US" dirty="0"/>
-          </a:p>
-        </p:txBody>
-      </p:sp>
+        </p:txBody>
+      </p:sp>
+      <p:grpSp>
+        <p:nvGrpSpPr>
+          <p:cNvPr id="6" name="Group 5"/>
+          <p:cNvGrpSpPr/>
+          <p:nvPr/>
+        </p:nvGrpSpPr>
+        <p:grpSpPr>
+          <a:xfrm>
+            <a:off x="2514600" y="218979"/>
+            <a:ext cx="4114800" cy="762000"/>
+            <a:chOff x="568174" y="220462"/>
+            <a:chExt cx="3102037" cy="762000"/>
+          </a:xfrm>
+        </p:grpSpPr>
+        <p:pic>
+          <p:nvPicPr>
+            <p:cNvPr id="7" name="Picture 6"/>
+            <p:cNvPicPr>
+              <a:picLocks noChangeAspect="1"/>
+            </p:cNvPicPr>
+            <p:nvPr/>
+          </p:nvPicPr>
+          <p:blipFill>
+            <a:blip r:embed="rId5">
+              <a:extLst>
+                <a:ext uri="{28A0092B-C50C-407E-A947-70E740481C1C}">
+                  <a14:useLocalDpi xmlns:a14="http://schemas.microsoft.com/office/drawing/2010/main" val="0"/>
+                </a:ext>
+              </a:extLst>
+            </a:blip>
+            <a:stretch>
+              <a:fillRect/>
+            </a:stretch>
+          </p:blipFill>
+          <p:spPr>
+            <a:xfrm>
+              <a:off x="568174" y="220462"/>
+              <a:ext cx="861676" cy="762000"/>
+            </a:xfrm>
+            <a:prstGeom prst="rect">
+              <a:avLst/>
+            </a:prstGeom>
+          </p:spPr>
+        </p:pic>
+        <p:sp>
+          <p:nvSpPr>
+            <p:cNvPr id="8" name="TextBox 7"/>
+            <p:cNvSpPr txBox="1"/>
+            <p:nvPr/>
+          </p:nvSpPr>
+          <p:spPr>
+            <a:xfrm>
+              <a:off x="1528722" y="285820"/>
+              <a:ext cx="2141489" cy="584775"/>
+            </a:xfrm>
+            <a:prstGeom prst="rect">
+              <a:avLst/>
+            </a:prstGeom>
+            <a:noFill/>
+          </p:spPr>
+          <p:txBody>
+            <a:bodyPr wrap="none" rtlCol="0">
+              <a:spAutoFit/>
+            </a:bodyPr>
+            <a:lstStyle/>
+            <a:p>
+              <a:r>
+                <a:rPr lang="en-US" sz="3200" b="1" dirty="0" smtClean="0"/>
+                <a:t>KAL Technology</a:t>
+              </a:r>
+              <a:endParaRPr lang="en-US" sz="3200" b="1" dirty="0"/>
+            </a:p>
+          </p:txBody>
+        </p:sp>
+      </p:grpSp>
     </p:spTree>
     <p:extLst>
       <p:ext uri="{BB962C8B-B14F-4D97-AF65-F5344CB8AC3E}">
@@ -4110,6 +4957,13 @@
   <p:clrMapOvr>
     <a:masterClrMapping/>
   </p:clrMapOvr>
+  <p:timing>
+    <p:tnLst>
+      <p:par>
+        <p:cTn id="1" dur="indefinite" restart="never" nodeType="tmRoot"/>
+      </p:par>
+    </p:tnLst>
+  </p:timing>
 </p:sld>
 </file>
 

--- a/slides/AWS EKS Kubeflow Quickstart.pptx
+++ b/slides/AWS EKS Kubeflow Quickstart.pptx
@@ -3864,11 +3864,7 @@
             </a:r>
             <a:r>
               <a:rPr lang="en-US" sz="1800" dirty="0" smtClean="0"/>
-              <a:t>where you can also access </a:t>
-            </a:r>
-            <a:r>
-              <a:rPr lang="en-US" sz="1800" dirty="0" smtClean="0"/>
-              <a:t>purpose-built </a:t>
+              <a:t>where you can also access purpose-built </a:t>
             </a:r>
             <a:r>
               <a:rPr lang="en-US" sz="1800" dirty="0"/>
@@ -3892,11 +3888,7 @@
             </a:r>
             <a:r>
               <a:rPr lang="en-US" sz="1800" dirty="0" smtClean="0"/>
-              <a:t>models, but </a:t>
-            </a:r>
-            <a:r>
-              <a:rPr lang="en-US" sz="1800" dirty="0" smtClean="0"/>
-              <a:t>run them on a Kubernetes cluster.  Because </a:t>
+              <a:t>models, but run them on a Kubernetes cluster.  Because </a:t>
             </a:r>
             <a:r>
               <a:rPr lang="en-US" sz="1800" dirty="0"/>
@@ -3904,11 +3896,7 @@
             </a:r>
             <a:r>
               <a:rPr lang="en-US" sz="1800" dirty="0" smtClean="0"/>
-              <a:t>on premise infrastructure</a:t>
-            </a:r>
-            <a:r>
-              <a:rPr lang="en-US" sz="1800" dirty="0" smtClean="0"/>
-              <a:t>.</a:t>
+              <a:t>on premise infrastructure.</a:t>
             </a:r>
           </a:p>
           <a:p>
@@ -3931,7 +3919,11 @@
             </a:r>
             <a:r>
               <a:rPr lang="en-US" sz="1800" dirty="0" smtClean="0"/>
-              <a:t>architectural view of Kubeflow and then jump right into a lab.  </a:t>
+              <a:t>architectural view of Kubeflow and then jump right into </a:t>
+            </a:r>
+            <a:r>
+              <a:rPr lang="en-US" sz="1800" dirty="0" smtClean="0"/>
+              <a:t>installing Kubeflow on AWS.  </a:t>
             </a:r>
             <a:endParaRPr lang="en-US" sz="1800" dirty="0"/>
           </a:p>
@@ -4425,13 +4417,8 @@
           <a:p>
             <a:r>
               <a:rPr lang="en-US" sz="1800" dirty="0" smtClean="0"/>
-              <a:t>AWS </a:t>
-            </a:r>
-            <a:r>
-              <a:rPr lang="en-US" sz="1800" dirty="0" smtClean="0"/>
-              <a:t>Account</a:t>
-            </a:r>
-            <a:endParaRPr lang="en-US" sz="1800" dirty="0" smtClean="0"/>
+              <a:t>AWS Account</a:t>
+            </a:r>
           </a:p>
           <a:p>
             <a:r>
